--- a/lecture/feature/blob_detection_tools.pptx
+++ b/lecture/feature/blob_detection_tools.pptx
@@ -5,13 +5,14 @@
     <p:sldMasterId id="2147483648" r:id="rId1"/>
   </p:sldMasterIdLst>
   <p:sldIdLst>
-    <p:sldId id="256" r:id="rId2"/>
-    <p:sldId id="259" r:id="rId3"/>
-    <p:sldId id="262" r:id="rId4"/>
-    <p:sldId id="261" r:id="rId5"/>
-    <p:sldId id="265" r:id="rId6"/>
-    <p:sldId id="266" r:id="rId7"/>
-    <p:sldId id="264" r:id="rId8"/>
+    <p:sldId id="267" r:id="rId2"/>
+    <p:sldId id="256" r:id="rId3"/>
+    <p:sldId id="259" r:id="rId4"/>
+    <p:sldId id="262" r:id="rId5"/>
+    <p:sldId id="261" r:id="rId6"/>
+    <p:sldId id="265" r:id="rId7"/>
+    <p:sldId id="266" r:id="rId8"/>
+    <p:sldId id="264" r:id="rId9"/>
   </p:sldIdLst>
   <p:sldSz cx="12192000" cy="6858000"/>
   <p:notesSz cx="6858000" cy="9144000"/>
@@ -260,7 +261,7 @@
           <a:p>
             <a:fld id="{826B44A9-356B-45DF-A445-37E823888826}" type="datetimeFigureOut">
               <a:rPr lang="en-US" smtClean="0"/>
-              <a:t>3/2/2020</a:t>
+              <a:t>3/4/2020</a:t>
             </a:fld>
             <a:endParaRPr lang="en-US"/>
           </a:p>
@@ -430,7 +431,7 @@
           <a:p>
             <a:fld id="{826B44A9-356B-45DF-A445-37E823888826}" type="datetimeFigureOut">
               <a:rPr lang="en-US" smtClean="0"/>
-              <a:t>3/2/2020</a:t>
+              <a:t>3/4/2020</a:t>
             </a:fld>
             <a:endParaRPr lang="en-US"/>
           </a:p>
@@ -610,7 +611,7 @@
           <a:p>
             <a:fld id="{826B44A9-356B-45DF-A445-37E823888826}" type="datetimeFigureOut">
               <a:rPr lang="en-US" smtClean="0"/>
-              <a:t>3/2/2020</a:t>
+              <a:t>3/4/2020</a:t>
             </a:fld>
             <a:endParaRPr lang="en-US"/>
           </a:p>
@@ -780,7 +781,7 @@
           <a:p>
             <a:fld id="{826B44A9-356B-45DF-A445-37E823888826}" type="datetimeFigureOut">
               <a:rPr lang="en-US" smtClean="0"/>
-              <a:t>3/2/2020</a:t>
+              <a:t>3/4/2020</a:t>
             </a:fld>
             <a:endParaRPr lang="en-US"/>
           </a:p>
@@ -1026,7 +1027,7 @@
           <a:p>
             <a:fld id="{826B44A9-356B-45DF-A445-37E823888826}" type="datetimeFigureOut">
               <a:rPr lang="en-US" smtClean="0"/>
-              <a:t>3/2/2020</a:t>
+              <a:t>3/4/2020</a:t>
             </a:fld>
             <a:endParaRPr lang="en-US"/>
           </a:p>
@@ -1258,7 +1259,7 @@
           <a:p>
             <a:fld id="{826B44A9-356B-45DF-A445-37E823888826}" type="datetimeFigureOut">
               <a:rPr lang="en-US" smtClean="0"/>
-              <a:t>3/2/2020</a:t>
+              <a:t>3/4/2020</a:t>
             </a:fld>
             <a:endParaRPr lang="en-US"/>
           </a:p>
@@ -1625,7 +1626,7 @@
           <a:p>
             <a:fld id="{826B44A9-356B-45DF-A445-37E823888826}" type="datetimeFigureOut">
               <a:rPr lang="en-US" smtClean="0"/>
-              <a:t>3/2/2020</a:t>
+              <a:t>3/4/2020</a:t>
             </a:fld>
             <a:endParaRPr lang="en-US"/>
           </a:p>
@@ -1743,7 +1744,7 @@
           <a:p>
             <a:fld id="{826B44A9-356B-45DF-A445-37E823888826}" type="datetimeFigureOut">
               <a:rPr lang="en-US" smtClean="0"/>
-              <a:t>3/2/2020</a:t>
+              <a:t>3/4/2020</a:t>
             </a:fld>
             <a:endParaRPr lang="en-US"/>
           </a:p>
@@ -1838,7 +1839,7 @@
           <a:p>
             <a:fld id="{826B44A9-356B-45DF-A445-37E823888826}" type="datetimeFigureOut">
               <a:rPr lang="en-US" smtClean="0"/>
-              <a:t>3/2/2020</a:t>
+              <a:t>3/4/2020</a:t>
             </a:fld>
             <a:endParaRPr lang="en-US"/>
           </a:p>
@@ -2115,7 +2116,7 @@
           <a:p>
             <a:fld id="{826B44A9-356B-45DF-A445-37E823888826}" type="datetimeFigureOut">
               <a:rPr lang="en-US" smtClean="0"/>
-              <a:t>3/2/2020</a:t>
+              <a:t>3/4/2020</a:t>
             </a:fld>
             <a:endParaRPr lang="en-US"/>
           </a:p>
@@ -2368,7 +2369,7 @@
           <a:p>
             <a:fld id="{826B44A9-356B-45DF-A445-37E823888826}" type="datetimeFigureOut">
               <a:rPr lang="en-US" smtClean="0"/>
-              <a:t>3/2/2020</a:t>
+              <a:t>3/4/2020</a:t>
             </a:fld>
             <a:endParaRPr lang="en-US"/>
           </a:p>
@@ -2581,7 +2582,7 @@
           <a:p>
             <a:fld id="{826B44A9-356B-45DF-A445-37E823888826}" type="datetimeFigureOut">
               <a:rPr lang="en-US" smtClean="0"/>
-              <a:t>3/2/2020</a:t>
+              <a:t>3/4/2020</a:t>
             </a:fld>
             <a:endParaRPr lang="en-US"/>
           </a:p>
@@ -2986,286 +2987,168 @@
           <a:chExt cx="0" cy="0"/>
         </a:xfrm>
       </p:grpSpPr>
-      <p:sp>
-        <p:nvSpPr>
-          <p:cNvPr id="4" name="Rectangle 3"/>
-          <p:cNvSpPr/>
+      <p:pic>
+        <p:nvPicPr>
+          <p:cNvPr id="4" name="Picture 2" descr="bonfire surrounded by group of people near brown hill during daytime"/>
+          <p:cNvPicPr>
+            <a:picLocks noChangeAspect="1" noChangeArrowheads="1"/>
+          </p:cNvPicPr>
           <p:nvPr/>
-        </p:nvSpPr>
-        <p:spPr>
-          <a:xfrm>
-            <a:off x="690880" y="701040"/>
-            <a:ext cx="10337800" cy="5252720"/>
+        </p:nvPicPr>
+        <p:blipFill>
+          <a:blip r:embed="rId2">
+            <a:extLst>
+              <a:ext uri="{28A0092B-C50C-407E-A947-70E740481C1C}">
+                <a14:useLocalDpi xmlns:a14="http://schemas.microsoft.com/office/drawing/2010/main" val="0"/>
+              </a:ext>
+            </a:extLst>
+          </a:blip>
+          <a:srcRect/>
+          <a:stretch>
+            <a:fillRect/>
+          </a:stretch>
+        </p:blipFill>
+        <p:spPr bwMode="auto">
+          <a:xfrm>
+            <a:off x="321945" y="120937"/>
+            <a:ext cx="4625975" cy="3085526"/>
           </a:xfrm>
           <a:prstGeom prst="rect">
             <a:avLst/>
           </a:prstGeom>
           <a:noFill/>
-          <a:ln>
-            <a:solidFill>
-              <a:schemeClr val="tx1"/>
-            </a:solidFill>
-          </a:ln>
-        </p:spPr>
-        <p:style>
-          <a:lnRef idx="2">
-            <a:schemeClr val="accent1">
-              <a:shade val="50000"/>
-            </a:schemeClr>
-          </a:lnRef>
-          <a:fillRef idx="1">
-            <a:schemeClr val="accent1"/>
-          </a:fillRef>
-          <a:effectRef idx="0">
-            <a:schemeClr val="accent1"/>
-          </a:effectRef>
-          <a:fontRef idx="minor">
-            <a:schemeClr val="lt1"/>
-          </a:fontRef>
-        </p:style>
-        <p:txBody>
-          <a:bodyPr rtlCol="0" anchor="ctr"/>
-          <a:lstStyle/>
-          <a:p>
-            <a:pPr algn="ctr"/>
-            <a:endParaRPr lang="en-US"/>
-          </a:p>
-        </p:txBody>
-      </p:sp>
-      <p:sp>
-        <p:nvSpPr>
-          <p:cNvPr id="5" name="Oval 4"/>
-          <p:cNvSpPr/>
+          <a:extLst>
+            <a:ext uri="{909E8E84-426E-40DD-AFC4-6F175D3DCCD1}">
+              <a14:hiddenFill xmlns:a14="http://schemas.microsoft.com/office/drawing/2010/main">
+                <a:solidFill>
+                  <a:srgbClr val="FFFFFF"/>
+                </a:solidFill>
+              </a14:hiddenFill>
+            </a:ext>
+          </a:extLst>
+        </p:spPr>
+      </p:pic>
+      <p:pic>
+        <p:nvPicPr>
+          <p:cNvPr id="5" name="Picture 2" descr="bonfire surrounded by group of people near brown hill during daytime"/>
+          <p:cNvPicPr>
+            <a:picLocks noChangeAspect="1" noChangeArrowheads="1"/>
+          </p:cNvPicPr>
           <p:nvPr/>
-        </p:nvSpPr>
-        <p:spPr>
-          <a:xfrm>
-            <a:off x="1391920" y="1188720"/>
-            <a:ext cx="2138680" cy="2138680"/>
-          </a:xfrm>
-          <a:prstGeom prst="ellipse">
-            <a:avLst/>
-          </a:prstGeom>
-          <a:solidFill>
-            <a:schemeClr val="tx1"/>
-          </a:solidFill>
-          <a:ln>
-            <a:noFill/>
-          </a:ln>
-        </p:spPr>
-        <p:style>
-          <a:lnRef idx="2">
-            <a:schemeClr val="accent1">
-              <a:shade val="50000"/>
-            </a:schemeClr>
-          </a:lnRef>
-          <a:fillRef idx="1">
-            <a:schemeClr val="accent1"/>
-          </a:fillRef>
-          <a:effectRef idx="0">
-            <a:schemeClr val="accent1"/>
-          </a:effectRef>
-          <a:fontRef idx="minor">
-            <a:schemeClr val="lt1"/>
-          </a:fontRef>
-        </p:style>
-        <p:txBody>
-          <a:bodyPr rtlCol="0" anchor="ctr"/>
-          <a:lstStyle/>
-          <a:p>
-            <a:pPr algn="ctr"/>
-            <a:endParaRPr lang="en-US"/>
-          </a:p>
-        </p:txBody>
-      </p:sp>
-      <p:sp>
-        <p:nvSpPr>
-          <p:cNvPr id="6" name="Oval 5"/>
-          <p:cNvSpPr/>
-          <p:nvPr/>
-        </p:nvSpPr>
-        <p:spPr>
-          <a:xfrm>
-            <a:off x="3256280" y="4754880"/>
-            <a:ext cx="274320" cy="274320"/>
-          </a:xfrm>
-          <a:prstGeom prst="ellipse">
-            <a:avLst/>
-          </a:prstGeom>
-          <a:solidFill>
-            <a:schemeClr val="tx1"/>
-          </a:solidFill>
-          <a:ln>
-            <a:noFill/>
-          </a:ln>
-        </p:spPr>
-        <p:style>
-          <a:lnRef idx="2">
-            <a:schemeClr val="accent1">
-              <a:shade val="50000"/>
-            </a:schemeClr>
-          </a:lnRef>
-          <a:fillRef idx="1">
-            <a:schemeClr val="accent1"/>
-          </a:fillRef>
-          <a:effectRef idx="0">
-            <a:schemeClr val="accent1"/>
-          </a:effectRef>
-          <a:fontRef idx="minor">
-            <a:schemeClr val="lt1"/>
-          </a:fontRef>
-        </p:style>
-        <p:txBody>
-          <a:bodyPr rtlCol="0" anchor="ctr"/>
-          <a:lstStyle/>
-          <a:p>
-            <a:pPr algn="ctr"/>
-            <a:endParaRPr lang="en-US"/>
-          </a:p>
-        </p:txBody>
-      </p:sp>
-      <p:sp>
-        <p:nvSpPr>
-          <p:cNvPr id="7" name="Oval 6"/>
-          <p:cNvSpPr/>
-          <p:nvPr/>
-        </p:nvSpPr>
-        <p:spPr>
-          <a:xfrm>
-            <a:off x="8651240" y="2316480"/>
-            <a:ext cx="843280" cy="772160"/>
-          </a:xfrm>
-          <a:prstGeom prst="ellipse">
-            <a:avLst/>
-          </a:prstGeom>
-          <a:solidFill>
-            <a:schemeClr val="tx1"/>
-          </a:solidFill>
-          <a:ln>
-            <a:noFill/>
-          </a:ln>
-        </p:spPr>
-        <p:style>
-          <a:lnRef idx="2">
-            <a:schemeClr val="accent1">
-              <a:shade val="50000"/>
-            </a:schemeClr>
-          </a:lnRef>
-          <a:fillRef idx="1">
-            <a:schemeClr val="accent1"/>
-          </a:fillRef>
-          <a:effectRef idx="0">
-            <a:schemeClr val="accent1"/>
-          </a:effectRef>
-          <a:fontRef idx="minor">
-            <a:schemeClr val="lt1"/>
-          </a:fontRef>
-        </p:style>
-        <p:txBody>
-          <a:bodyPr rtlCol="0" anchor="ctr"/>
-          <a:lstStyle/>
-          <a:p>
-            <a:pPr algn="ctr"/>
-            <a:endParaRPr lang="en-US"/>
-          </a:p>
-        </p:txBody>
-      </p:sp>
-      <p:sp>
-        <p:nvSpPr>
-          <p:cNvPr id="8" name="Oval 7"/>
-          <p:cNvSpPr/>
-          <p:nvPr/>
-        </p:nvSpPr>
-        <p:spPr>
-          <a:xfrm>
-            <a:off x="6182360" y="3713480"/>
-            <a:ext cx="1381760" cy="1254760"/>
-          </a:xfrm>
-          <a:prstGeom prst="ellipse">
-            <a:avLst/>
-          </a:prstGeom>
-          <a:solidFill>
-            <a:schemeClr val="tx1"/>
-          </a:solidFill>
-          <a:ln>
-            <a:noFill/>
-          </a:ln>
-        </p:spPr>
-        <p:style>
-          <a:lnRef idx="2">
-            <a:schemeClr val="accent1">
-              <a:shade val="50000"/>
-            </a:schemeClr>
-          </a:lnRef>
-          <a:fillRef idx="1">
-            <a:schemeClr val="accent1"/>
-          </a:fillRef>
-          <a:effectRef idx="0">
-            <a:schemeClr val="accent1"/>
-          </a:effectRef>
-          <a:fontRef idx="minor">
-            <a:schemeClr val="lt1"/>
-          </a:fontRef>
-        </p:style>
-        <p:txBody>
-          <a:bodyPr rtlCol="0" anchor="ctr"/>
-          <a:lstStyle/>
-          <a:p>
-            <a:pPr algn="ctr"/>
-            <a:endParaRPr lang="en-US"/>
-          </a:p>
-        </p:txBody>
-      </p:sp>
-      <p:sp>
-        <p:nvSpPr>
-          <p:cNvPr id="9" name="Rectangle 8"/>
-          <p:cNvSpPr/>
-          <p:nvPr/>
-        </p:nvSpPr>
-        <p:spPr>
-          <a:xfrm>
-            <a:off x="11028680" y="2876550"/>
-            <a:ext cx="5405120" cy="1035050"/>
+        </p:nvPicPr>
+        <p:blipFill rotWithShape="1">
+          <a:blip r:embed="rId2">
+            <a:extLst>
+              <a:ext uri="{28A0092B-C50C-407E-A947-70E740481C1C}">
+                <a14:useLocalDpi xmlns:a14="http://schemas.microsoft.com/office/drawing/2010/main" val="0"/>
+              </a:ext>
+            </a:extLst>
+          </a:blip>
+          <a:srcRect l="24776" t="19625" r="11532" b="19623"/>
+          <a:stretch/>
+        </p:blipFill>
+        <p:spPr bwMode="auto">
+          <a:xfrm>
+            <a:off x="6839585" y="266570"/>
+            <a:ext cx="4620895" cy="2939893"/>
           </a:xfrm>
           <a:prstGeom prst="rect">
             <a:avLst/>
           </a:prstGeom>
-          <a:solidFill>
-            <a:schemeClr val="tx1"/>
-          </a:solidFill>
-          <a:ln>
-            <a:noFill/>
-          </a:ln>
-        </p:spPr>
-        <p:style>
-          <a:lnRef idx="2">
-            <a:schemeClr val="accent1">
-              <a:shade val="50000"/>
-            </a:schemeClr>
-          </a:lnRef>
-          <a:fillRef idx="1">
-            <a:schemeClr val="accent1"/>
-          </a:fillRef>
-          <a:effectRef idx="0">
-            <a:schemeClr val="accent1"/>
-          </a:effectRef>
-          <a:fontRef idx="minor">
-            <a:schemeClr val="lt1"/>
-          </a:fontRef>
-        </p:style>
-        <p:txBody>
-          <a:bodyPr rtlCol="0" anchor="ctr"/>
-          <a:lstStyle/>
-          <a:p>
-            <a:pPr algn="ctr"/>
-            <a:endParaRPr lang="en-US"/>
-          </a:p>
-        </p:txBody>
-      </p:sp>
+          <a:noFill/>
+          <a:extLst>
+            <a:ext uri="{909E8E84-426E-40DD-AFC4-6F175D3DCCD1}">
+              <a14:hiddenFill xmlns:a14="http://schemas.microsoft.com/office/drawing/2010/main">
+                <a:solidFill>
+                  <a:srgbClr val="FFFFFF"/>
+                </a:solidFill>
+              </a14:hiddenFill>
+            </a:ext>
+          </a:extLst>
+        </p:spPr>
+      </p:pic>
+      <p:pic>
+        <p:nvPicPr>
+          <p:cNvPr id="6" name="Picture 2" descr="bonfire surrounded by group of people near brown hill during daytime"/>
+          <p:cNvPicPr>
+            <a:picLocks noChangeAspect="1" noChangeArrowheads="1"/>
+          </p:cNvPicPr>
+          <p:nvPr/>
+        </p:nvPicPr>
+        <p:blipFill rotWithShape="1">
+          <a:blip r:embed="rId2">
+            <a:extLst>
+              <a:ext uri="{28A0092B-C50C-407E-A947-70E740481C1C}">
+                <a14:useLocalDpi xmlns:a14="http://schemas.microsoft.com/office/drawing/2010/main" val="0"/>
+              </a:ext>
+            </a:extLst>
+          </a:blip>
+          <a:srcRect l="24776" t="19625" r="35766" b="42738"/>
+          <a:stretch/>
+        </p:blipFill>
+        <p:spPr bwMode="auto">
+          <a:xfrm>
+            <a:off x="321945" y="3593969"/>
+            <a:ext cx="4625975" cy="2943125"/>
+          </a:xfrm>
+          <a:prstGeom prst="rect">
+            <a:avLst/>
+          </a:prstGeom>
+          <a:noFill/>
+          <a:extLst>
+            <a:ext uri="{909E8E84-426E-40DD-AFC4-6F175D3DCCD1}">
+              <a14:hiddenFill xmlns:a14="http://schemas.microsoft.com/office/drawing/2010/main">
+                <a:solidFill>
+                  <a:srgbClr val="FFFFFF"/>
+                </a:solidFill>
+              </a14:hiddenFill>
+            </a:ext>
+          </a:extLst>
+        </p:spPr>
+      </p:pic>
+      <p:pic>
+        <p:nvPicPr>
+          <p:cNvPr id="7" name="Picture 2" descr="bonfire surrounded by group of people near brown hill during daytime"/>
+          <p:cNvPicPr>
+            <a:picLocks noChangeAspect="1" noChangeArrowheads="1"/>
+          </p:cNvPicPr>
+          <p:nvPr/>
+        </p:nvPicPr>
+        <p:blipFill rotWithShape="1">
+          <a:blip r:embed="rId2">
+            <a:extLst>
+              <a:ext uri="{28A0092B-C50C-407E-A947-70E740481C1C}">
+                <a14:useLocalDpi xmlns:a14="http://schemas.microsoft.com/office/drawing/2010/main" val="0"/>
+              </a:ext>
+            </a:extLst>
+          </a:blip>
+          <a:srcRect l="36301" t="24856" r="50895" b="62931"/>
+          <a:stretch/>
+        </p:blipFill>
+        <p:spPr bwMode="auto">
+          <a:xfrm>
+            <a:off x="6839584" y="3593969"/>
+            <a:ext cx="4620893" cy="2939893"/>
+          </a:xfrm>
+          <a:prstGeom prst="rect">
+            <a:avLst/>
+          </a:prstGeom>
+          <a:noFill/>
+          <a:extLst>
+            <a:ext uri="{909E8E84-426E-40DD-AFC4-6F175D3DCCD1}">
+              <a14:hiddenFill xmlns:a14="http://schemas.microsoft.com/office/drawing/2010/main">
+                <a:solidFill>
+                  <a:srgbClr val="FFFFFF"/>
+                </a:solidFill>
+              </a14:hiddenFill>
+            </a:ext>
+          </a:extLst>
+        </p:spPr>
+      </p:pic>
     </p:spTree>
     <p:extLst>
       <p:ext uri="{BB962C8B-B14F-4D97-AF65-F5344CB8AC3E}">
-        <p14:creationId xmlns:p14="http://schemas.microsoft.com/office/powerpoint/2010/main" val="1321988147"/>
+        <p14:creationId xmlns:p14="http://schemas.microsoft.com/office/powerpoint/2010/main" val="3460723671"/>
       </p:ext>
     </p:extLst>
   </p:cSld>
@@ -3292,186 +3175,286 @@
           <a:chExt cx="0" cy="0"/>
         </a:xfrm>
       </p:grpSpPr>
-      <p:pic>
-        <p:nvPicPr>
-          <p:cNvPr id="4" name="Picture 3"/>
-          <p:cNvPicPr>
-            <a:picLocks noChangeAspect="1"/>
-          </p:cNvPicPr>
+      <p:sp>
+        <p:nvSpPr>
+          <p:cNvPr id="4" name="Rectangle 3"/>
+          <p:cNvSpPr/>
           <p:nvPr/>
-        </p:nvPicPr>
-        <p:blipFill>
-          <a:blip r:embed="rId2"/>
-          <a:stretch>
-            <a:fillRect/>
-          </a:stretch>
-        </p:blipFill>
+        </p:nvSpPr>
         <p:spPr>
           <a:xfrm>
-            <a:off x="599399" y="442762"/>
-            <a:ext cx="17336930" cy="5796869"/>
-          </a:xfrm>
-          <a:prstGeom prst="rect">
-            <a:avLst/>
-          </a:prstGeom>
-        </p:spPr>
-      </p:pic>
-      <p:sp>
-        <p:nvSpPr>
-          <p:cNvPr id="6" name="TextBox 5"/>
-          <p:cNvSpPr txBox="1"/>
-          <p:nvPr/>
-        </p:nvSpPr>
-        <p:spPr>
-          <a:xfrm>
-            <a:off x="2261937" y="1790299"/>
-            <a:ext cx="885525" cy="769441"/>
+            <a:off x="690880" y="701040"/>
+            <a:ext cx="10337800" cy="5252720"/>
           </a:xfrm>
           <a:prstGeom prst="rect">
             <a:avLst/>
           </a:prstGeom>
           <a:noFill/>
-        </p:spPr>
-        <p:txBody>
-          <a:bodyPr wrap="square" rtlCol="0">
-            <a:spAutoFit/>
-          </a:bodyPr>
-          <a:lstStyle/>
-          <a:p>
-            <a:r>
-              <a:rPr lang="en-US" sz="4400" b="1" dirty="0" smtClean="0">
-                <a:solidFill>
-                  <a:schemeClr val="bg1"/>
-                </a:solidFill>
-              </a:rPr>
-              <a:t>1</a:t>
-            </a:r>
-            <a:endParaRPr lang="en-US" sz="4400" b="1" dirty="0">
-              <a:solidFill>
-                <a:schemeClr val="bg1"/>
-              </a:solidFill>
-            </a:endParaRPr>
-          </a:p>
-        </p:txBody>
-      </p:sp>
-      <p:sp>
-        <p:nvSpPr>
-          <p:cNvPr id="7" name="TextBox 6"/>
-          <p:cNvSpPr txBox="1"/>
+          <a:ln>
+            <a:solidFill>
+              <a:schemeClr val="tx1"/>
+            </a:solidFill>
+          </a:ln>
+        </p:spPr>
+        <p:style>
+          <a:lnRef idx="2">
+            <a:schemeClr val="accent1">
+              <a:shade val="50000"/>
+            </a:schemeClr>
+          </a:lnRef>
+          <a:fillRef idx="1">
+            <a:schemeClr val="accent1"/>
+          </a:fillRef>
+          <a:effectRef idx="0">
+            <a:schemeClr val="accent1"/>
+          </a:effectRef>
+          <a:fontRef idx="minor">
+            <a:schemeClr val="lt1"/>
+          </a:fontRef>
+        </p:style>
+        <p:txBody>
+          <a:bodyPr rtlCol="0" anchor="ctr"/>
+          <a:lstStyle/>
+          <a:p>
+            <a:pPr algn="ctr"/>
+            <a:endParaRPr lang="en-US"/>
+          </a:p>
+        </p:txBody>
+      </p:sp>
+      <p:sp>
+        <p:nvSpPr>
+          <p:cNvPr id="5" name="Oval 4"/>
+          <p:cNvSpPr/>
           <p:nvPr/>
         </p:nvSpPr>
         <p:spPr>
           <a:xfrm>
-            <a:off x="7238198" y="4052236"/>
-            <a:ext cx="885525" cy="769441"/>
+            <a:off x="1391920" y="1188720"/>
+            <a:ext cx="2138680" cy="2138680"/>
+          </a:xfrm>
+          <a:prstGeom prst="ellipse">
+            <a:avLst/>
+          </a:prstGeom>
+          <a:solidFill>
+            <a:schemeClr val="tx1"/>
+          </a:solidFill>
+          <a:ln>
+            <a:noFill/>
+          </a:ln>
+        </p:spPr>
+        <p:style>
+          <a:lnRef idx="2">
+            <a:schemeClr val="accent1">
+              <a:shade val="50000"/>
+            </a:schemeClr>
+          </a:lnRef>
+          <a:fillRef idx="1">
+            <a:schemeClr val="accent1"/>
+          </a:fillRef>
+          <a:effectRef idx="0">
+            <a:schemeClr val="accent1"/>
+          </a:effectRef>
+          <a:fontRef idx="minor">
+            <a:schemeClr val="lt1"/>
+          </a:fontRef>
+        </p:style>
+        <p:txBody>
+          <a:bodyPr rtlCol="0" anchor="ctr"/>
+          <a:lstStyle/>
+          <a:p>
+            <a:pPr algn="ctr"/>
+            <a:endParaRPr lang="en-US"/>
+          </a:p>
+        </p:txBody>
+      </p:sp>
+      <p:sp>
+        <p:nvSpPr>
+          <p:cNvPr id="6" name="Oval 5"/>
+          <p:cNvSpPr/>
+          <p:nvPr/>
+        </p:nvSpPr>
+        <p:spPr>
+          <a:xfrm>
+            <a:off x="3256280" y="4754880"/>
+            <a:ext cx="274320" cy="274320"/>
+          </a:xfrm>
+          <a:prstGeom prst="ellipse">
+            <a:avLst/>
+          </a:prstGeom>
+          <a:solidFill>
+            <a:schemeClr val="tx1"/>
+          </a:solidFill>
+          <a:ln>
+            <a:noFill/>
+          </a:ln>
+        </p:spPr>
+        <p:style>
+          <a:lnRef idx="2">
+            <a:schemeClr val="accent1">
+              <a:shade val="50000"/>
+            </a:schemeClr>
+          </a:lnRef>
+          <a:fillRef idx="1">
+            <a:schemeClr val="accent1"/>
+          </a:fillRef>
+          <a:effectRef idx="0">
+            <a:schemeClr val="accent1"/>
+          </a:effectRef>
+          <a:fontRef idx="minor">
+            <a:schemeClr val="lt1"/>
+          </a:fontRef>
+        </p:style>
+        <p:txBody>
+          <a:bodyPr rtlCol="0" anchor="ctr"/>
+          <a:lstStyle/>
+          <a:p>
+            <a:pPr algn="ctr"/>
+            <a:endParaRPr lang="en-US"/>
+          </a:p>
+        </p:txBody>
+      </p:sp>
+      <p:sp>
+        <p:nvSpPr>
+          <p:cNvPr id="7" name="Oval 6"/>
+          <p:cNvSpPr/>
+          <p:nvPr/>
+        </p:nvSpPr>
+        <p:spPr>
+          <a:xfrm>
+            <a:off x="8651240" y="2316480"/>
+            <a:ext cx="843280" cy="772160"/>
+          </a:xfrm>
+          <a:prstGeom prst="ellipse">
+            <a:avLst/>
+          </a:prstGeom>
+          <a:solidFill>
+            <a:schemeClr val="tx1"/>
+          </a:solidFill>
+          <a:ln>
+            <a:noFill/>
+          </a:ln>
+        </p:spPr>
+        <p:style>
+          <a:lnRef idx="2">
+            <a:schemeClr val="accent1">
+              <a:shade val="50000"/>
+            </a:schemeClr>
+          </a:lnRef>
+          <a:fillRef idx="1">
+            <a:schemeClr val="accent1"/>
+          </a:fillRef>
+          <a:effectRef idx="0">
+            <a:schemeClr val="accent1"/>
+          </a:effectRef>
+          <a:fontRef idx="minor">
+            <a:schemeClr val="lt1"/>
+          </a:fontRef>
+        </p:style>
+        <p:txBody>
+          <a:bodyPr rtlCol="0" anchor="ctr"/>
+          <a:lstStyle/>
+          <a:p>
+            <a:pPr algn="ctr"/>
+            <a:endParaRPr lang="en-US"/>
+          </a:p>
+        </p:txBody>
+      </p:sp>
+      <p:sp>
+        <p:nvSpPr>
+          <p:cNvPr id="8" name="Oval 7"/>
+          <p:cNvSpPr/>
+          <p:nvPr/>
+        </p:nvSpPr>
+        <p:spPr>
+          <a:xfrm>
+            <a:off x="6182360" y="3713480"/>
+            <a:ext cx="1381760" cy="1254760"/>
+          </a:xfrm>
+          <a:prstGeom prst="ellipse">
+            <a:avLst/>
+          </a:prstGeom>
+          <a:solidFill>
+            <a:schemeClr val="tx1"/>
+          </a:solidFill>
+          <a:ln>
+            <a:noFill/>
+          </a:ln>
+        </p:spPr>
+        <p:style>
+          <a:lnRef idx="2">
+            <a:schemeClr val="accent1">
+              <a:shade val="50000"/>
+            </a:schemeClr>
+          </a:lnRef>
+          <a:fillRef idx="1">
+            <a:schemeClr val="accent1"/>
+          </a:fillRef>
+          <a:effectRef idx="0">
+            <a:schemeClr val="accent1"/>
+          </a:effectRef>
+          <a:fontRef idx="minor">
+            <a:schemeClr val="lt1"/>
+          </a:fontRef>
+        </p:style>
+        <p:txBody>
+          <a:bodyPr rtlCol="0" anchor="ctr"/>
+          <a:lstStyle/>
+          <a:p>
+            <a:pPr algn="ctr"/>
+            <a:endParaRPr lang="en-US"/>
+          </a:p>
+        </p:txBody>
+      </p:sp>
+      <p:sp>
+        <p:nvSpPr>
+          <p:cNvPr id="9" name="Rectangle 8"/>
+          <p:cNvSpPr/>
+          <p:nvPr/>
+        </p:nvSpPr>
+        <p:spPr>
+          <a:xfrm>
+            <a:off x="11028680" y="2876550"/>
+            <a:ext cx="5405120" cy="1035050"/>
           </a:xfrm>
           <a:prstGeom prst="rect">
             <a:avLst/>
           </a:prstGeom>
-          <a:noFill/>
-        </p:spPr>
-        <p:txBody>
-          <a:bodyPr wrap="square" rtlCol="0">
-            <a:spAutoFit/>
-          </a:bodyPr>
-          <a:lstStyle/>
-          <a:p>
-            <a:r>
-              <a:rPr lang="en-US" sz="4400" b="1" dirty="0" smtClean="0">
-                <a:solidFill>
-                  <a:schemeClr val="bg1"/>
-                </a:solidFill>
-              </a:rPr>
-              <a:t>2</a:t>
-            </a:r>
-            <a:endParaRPr lang="en-US" sz="4400" b="1" dirty="0">
-              <a:solidFill>
-                <a:schemeClr val="bg1"/>
-              </a:solidFill>
-            </a:endParaRPr>
-          </a:p>
-        </p:txBody>
-      </p:sp>
-      <p:sp>
-        <p:nvSpPr>
-          <p:cNvPr id="8" name="TextBox 7"/>
-          <p:cNvSpPr txBox="1"/>
-          <p:nvPr/>
-        </p:nvSpPr>
-        <p:spPr>
-          <a:xfrm>
-            <a:off x="9656370" y="2367815"/>
-            <a:ext cx="885525" cy="584775"/>
-          </a:xfrm>
-          <a:prstGeom prst="rect">
-            <a:avLst/>
-          </a:prstGeom>
-          <a:noFill/>
-        </p:spPr>
-        <p:txBody>
-          <a:bodyPr wrap="square" rtlCol="0">
-            <a:spAutoFit/>
-          </a:bodyPr>
-          <a:lstStyle/>
-          <a:p>
-            <a:r>
-              <a:rPr lang="en-US" sz="3200" b="1" dirty="0" smtClean="0">
-                <a:solidFill>
-                  <a:schemeClr val="bg1"/>
-                </a:solidFill>
-              </a:rPr>
-              <a:t>3</a:t>
-            </a:r>
-            <a:endParaRPr lang="en-US" sz="3200" b="1" dirty="0">
-              <a:solidFill>
-                <a:schemeClr val="bg1"/>
-              </a:solidFill>
-            </a:endParaRPr>
-          </a:p>
-        </p:txBody>
-      </p:sp>
-      <p:sp>
-        <p:nvSpPr>
-          <p:cNvPr id="9" name="TextBox 8"/>
-          <p:cNvSpPr txBox="1"/>
-          <p:nvPr/>
-        </p:nvSpPr>
-        <p:spPr>
-          <a:xfrm>
-            <a:off x="3428825" y="4812632"/>
-            <a:ext cx="885525" cy="400110"/>
-          </a:xfrm>
-          <a:prstGeom prst="rect">
-            <a:avLst/>
-          </a:prstGeom>
-          <a:noFill/>
-        </p:spPr>
-        <p:txBody>
-          <a:bodyPr wrap="square" rtlCol="0">
-            <a:spAutoFit/>
-          </a:bodyPr>
-          <a:lstStyle/>
-          <a:p>
-            <a:r>
-              <a:rPr lang="en-US" sz="2000" b="1" dirty="0" smtClean="0">
-                <a:solidFill>
-                  <a:schemeClr val="bg1"/>
-                </a:solidFill>
-              </a:rPr>
-              <a:t>4</a:t>
-            </a:r>
-            <a:endParaRPr lang="en-US" sz="2000" b="1" dirty="0">
-              <a:solidFill>
-                <a:schemeClr val="bg1"/>
-              </a:solidFill>
-            </a:endParaRPr>
+          <a:solidFill>
+            <a:schemeClr val="tx1"/>
+          </a:solidFill>
+          <a:ln>
+            <a:noFill/>
+          </a:ln>
+        </p:spPr>
+        <p:style>
+          <a:lnRef idx="2">
+            <a:schemeClr val="accent1">
+              <a:shade val="50000"/>
+            </a:schemeClr>
+          </a:lnRef>
+          <a:fillRef idx="1">
+            <a:schemeClr val="accent1"/>
+          </a:fillRef>
+          <a:effectRef idx="0">
+            <a:schemeClr val="accent1"/>
+          </a:effectRef>
+          <a:fontRef idx="minor">
+            <a:schemeClr val="lt1"/>
+          </a:fontRef>
+        </p:style>
+        <p:txBody>
+          <a:bodyPr rtlCol="0" anchor="ctr"/>
+          <a:lstStyle/>
+          <a:p>
+            <a:pPr algn="ctr"/>
+            <a:endParaRPr lang="en-US"/>
           </a:p>
         </p:txBody>
       </p:sp>
     </p:spTree>
     <p:extLst>
       <p:ext uri="{BB962C8B-B14F-4D97-AF65-F5344CB8AC3E}">
-        <p14:creationId xmlns:p14="http://schemas.microsoft.com/office/powerpoint/2010/main" val="1280282001"/>
+        <p14:creationId xmlns:p14="http://schemas.microsoft.com/office/powerpoint/2010/main" val="1321988147"/>
       </p:ext>
     </p:extLst>
   </p:cSld>
@@ -3507,6 +3490,219 @@
       </p:grpSpPr>
       <p:pic>
         <p:nvPicPr>
+          <p:cNvPr id="4" name="Picture 3"/>
+          <p:cNvPicPr>
+            <a:picLocks noChangeAspect="1"/>
+          </p:cNvPicPr>
+          <p:nvPr/>
+        </p:nvPicPr>
+        <p:blipFill>
+          <a:blip r:embed="rId2"/>
+          <a:stretch>
+            <a:fillRect/>
+          </a:stretch>
+        </p:blipFill>
+        <p:spPr>
+          <a:xfrm>
+            <a:off x="599399" y="442762"/>
+            <a:ext cx="17336930" cy="5796869"/>
+          </a:xfrm>
+          <a:prstGeom prst="rect">
+            <a:avLst/>
+          </a:prstGeom>
+        </p:spPr>
+      </p:pic>
+      <p:sp>
+        <p:nvSpPr>
+          <p:cNvPr id="6" name="TextBox 5"/>
+          <p:cNvSpPr txBox="1"/>
+          <p:nvPr/>
+        </p:nvSpPr>
+        <p:spPr>
+          <a:xfrm>
+            <a:off x="2261937" y="1790299"/>
+            <a:ext cx="885525" cy="769441"/>
+          </a:xfrm>
+          <a:prstGeom prst="rect">
+            <a:avLst/>
+          </a:prstGeom>
+          <a:noFill/>
+        </p:spPr>
+        <p:txBody>
+          <a:bodyPr wrap="square" rtlCol="0">
+            <a:spAutoFit/>
+          </a:bodyPr>
+          <a:lstStyle/>
+          <a:p>
+            <a:r>
+              <a:rPr lang="en-US" sz="4400" b="1" dirty="0" smtClean="0">
+                <a:solidFill>
+                  <a:schemeClr val="bg1"/>
+                </a:solidFill>
+              </a:rPr>
+              <a:t>1</a:t>
+            </a:r>
+            <a:endParaRPr lang="en-US" sz="4400" b="1" dirty="0">
+              <a:solidFill>
+                <a:schemeClr val="bg1"/>
+              </a:solidFill>
+            </a:endParaRPr>
+          </a:p>
+        </p:txBody>
+      </p:sp>
+      <p:sp>
+        <p:nvSpPr>
+          <p:cNvPr id="7" name="TextBox 6"/>
+          <p:cNvSpPr txBox="1"/>
+          <p:nvPr/>
+        </p:nvSpPr>
+        <p:spPr>
+          <a:xfrm>
+            <a:off x="7238198" y="4052236"/>
+            <a:ext cx="885525" cy="769441"/>
+          </a:xfrm>
+          <a:prstGeom prst="rect">
+            <a:avLst/>
+          </a:prstGeom>
+          <a:noFill/>
+        </p:spPr>
+        <p:txBody>
+          <a:bodyPr wrap="square" rtlCol="0">
+            <a:spAutoFit/>
+          </a:bodyPr>
+          <a:lstStyle/>
+          <a:p>
+            <a:r>
+              <a:rPr lang="en-US" sz="4400" b="1" dirty="0" smtClean="0">
+                <a:solidFill>
+                  <a:schemeClr val="bg1"/>
+                </a:solidFill>
+              </a:rPr>
+              <a:t>2</a:t>
+            </a:r>
+            <a:endParaRPr lang="en-US" sz="4400" b="1" dirty="0">
+              <a:solidFill>
+                <a:schemeClr val="bg1"/>
+              </a:solidFill>
+            </a:endParaRPr>
+          </a:p>
+        </p:txBody>
+      </p:sp>
+      <p:sp>
+        <p:nvSpPr>
+          <p:cNvPr id="8" name="TextBox 7"/>
+          <p:cNvSpPr txBox="1"/>
+          <p:nvPr/>
+        </p:nvSpPr>
+        <p:spPr>
+          <a:xfrm>
+            <a:off x="9656370" y="2367815"/>
+            <a:ext cx="885525" cy="584775"/>
+          </a:xfrm>
+          <a:prstGeom prst="rect">
+            <a:avLst/>
+          </a:prstGeom>
+          <a:noFill/>
+        </p:spPr>
+        <p:txBody>
+          <a:bodyPr wrap="square" rtlCol="0">
+            <a:spAutoFit/>
+          </a:bodyPr>
+          <a:lstStyle/>
+          <a:p>
+            <a:r>
+              <a:rPr lang="en-US" sz="3200" b="1" dirty="0" smtClean="0">
+                <a:solidFill>
+                  <a:schemeClr val="bg1"/>
+                </a:solidFill>
+              </a:rPr>
+              <a:t>3</a:t>
+            </a:r>
+            <a:endParaRPr lang="en-US" sz="3200" b="1" dirty="0">
+              <a:solidFill>
+                <a:schemeClr val="bg1"/>
+              </a:solidFill>
+            </a:endParaRPr>
+          </a:p>
+        </p:txBody>
+      </p:sp>
+      <p:sp>
+        <p:nvSpPr>
+          <p:cNvPr id="9" name="TextBox 8"/>
+          <p:cNvSpPr txBox="1"/>
+          <p:nvPr/>
+        </p:nvSpPr>
+        <p:spPr>
+          <a:xfrm>
+            <a:off x="3428825" y="4812632"/>
+            <a:ext cx="885525" cy="400110"/>
+          </a:xfrm>
+          <a:prstGeom prst="rect">
+            <a:avLst/>
+          </a:prstGeom>
+          <a:noFill/>
+        </p:spPr>
+        <p:txBody>
+          <a:bodyPr wrap="square" rtlCol="0">
+            <a:spAutoFit/>
+          </a:bodyPr>
+          <a:lstStyle/>
+          <a:p>
+            <a:r>
+              <a:rPr lang="en-US" sz="2000" b="1" dirty="0" smtClean="0">
+                <a:solidFill>
+                  <a:schemeClr val="bg1"/>
+                </a:solidFill>
+              </a:rPr>
+              <a:t>4</a:t>
+            </a:r>
+            <a:endParaRPr lang="en-US" sz="2000" b="1" dirty="0">
+              <a:solidFill>
+                <a:schemeClr val="bg1"/>
+              </a:solidFill>
+            </a:endParaRPr>
+          </a:p>
+        </p:txBody>
+      </p:sp>
+    </p:spTree>
+    <p:extLst>
+      <p:ext uri="{BB962C8B-B14F-4D97-AF65-F5344CB8AC3E}">
+        <p14:creationId xmlns:p14="http://schemas.microsoft.com/office/powerpoint/2010/main" val="1280282001"/>
+      </p:ext>
+    </p:extLst>
+  </p:cSld>
+  <p:clrMapOvr>
+    <a:masterClrMapping/>
+  </p:clrMapOvr>
+  <p:timing>
+    <p:tnLst>
+      <p:par>
+        <p:cTn id="1" dur="indefinite" restart="never" nodeType="tmRoot"/>
+      </p:par>
+    </p:tnLst>
+  </p:timing>
+</p:sld>
+</file>
+
+<file path=ppt/slides/slide4.xml><?xml version="1.0" encoding="utf-8"?>
+<p:sld xmlns:a="http://schemas.openxmlformats.org/drawingml/2006/main" xmlns:r="http://schemas.openxmlformats.org/officeDocument/2006/relationships" xmlns:p="http://schemas.openxmlformats.org/presentationml/2006/main">
+  <p:cSld>
+    <p:spTree>
+      <p:nvGrpSpPr>
+        <p:cNvPr id="1" name=""/>
+        <p:cNvGrpSpPr/>
+        <p:nvPr/>
+      </p:nvGrpSpPr>
+      <p:grpSpPr>
+        <a:xfrm>
+          <a:off x="0" y="0"/>
+          <a:ext cx="0" cy="0"/>
+          <a:chOff x="0" y="0"/>
+          <a:chExt cx="0" cy="0"/>
+        </a:xfrm>
+      </p:grpSpPr>
+      <p:pic>
+        <p:nvPicPr>
           <p:cNvPr id="9" name="Picture 8"/>
           <p:cNvPicPr>
             <a:picLocks noChangeAspect="1"/>
@@ -3539,10 +3735,17 @@
   <p:clrMapOvr>
     <a:masterClrMapping/>
   </p:clrMapOvr>
+  <p:timing>
+    <p:tnLst>
+      <p:par>
+        <p:cTn id="1" dur="indefinite" restart="never" nodeType="tmRoot"/>
+      </p:par>
+    </p:tnLst>
+  </p:timing>
 </p:sld>
 </file>
 
-<file path=ppt/slides/slide4.xml><?xml version="1.0" encoding="utf-8"?>
+<file path=ppt/slides/slide5.xml><?xml version="1.0" encoding="utf-8"?>
 <p:sld xmlns:a="http://schemas.openxmlformats.org/drawingml/2006/main" xmlns:r="http://schemas.openxmlformats.org/officeDocument/2006/relationships" xmlns:p="http://schemas.openxmlformats.org/presentationml/2006/main">
   <p:cSld>
     <p:spTree>
@@ -3575,7 +3778,7 @@
         </p:blipFill>
         <p:spPr>
           <a:xfrm>
-            <a:off x="-3112279" y="1213495"/>
+            <a:off x="-3137677" y="1229534"/>
             <a:ext cx="17338527" cy="5797798"/>
           </a:xfrm>
           <a:prstGeom prst="rect">
@@ -3747,103 +3950,6 @@
 </p:sld>
 </file>
 
-<file path=ppt/slides/slide5.xml><?xml version="1.0" encoding="utf-8"?>
-<p:sld xmlns:a="http://schemas.openxmlformats.org/drawingml/2006/main" xmlns:r="http://schemas.openxmlformats.org/officeDocument/2006/relationships" xmlns:p="http://schemas.openxmlformats.org/presentationml/2006/main">
-  <p:cSld>
-    <p:spTree>
-      <p:nvGrpSpPr>
-        <p:cNvPr id="1" name=""/>
-        <p:cNvGrpSpPr/>
-        <p:nvPr/>
-      </p:nvGrpSpPr>
-      <p:grpSpPr>
-        <a:xfrm>
-          <a:off x="0" y="0"/>
-          <a:ext cx="0" cy="0"/>
-          <a:chOff x="0" y="0"/>
-          <a:chExt cx="0" cy="0"/>
-        </a:xfrm>
-      </p:grpSpPr>
-      <p:pic>
-        <p:nvPicPr>
-          <p:cNvPr id="4" name="Picture 3"/>
-          <p:cNvPicPr>
-            <a:picLocks noChangeAspect="1"/>
-          </p:cNvPicPr>
-          <p:nvPr/>
-        </p:nvPicPr>
-        <p:blipFill>
-          <a:blip r:embed="rId2"/>
-          <a:stretch>
-            <a:fillRect/>
-          </a:stretch>
-        </p:blipFill>
-        <p:spPr>
-          <a:xfrm>
-            <a:off x="246938" y="308720"/>
-            <a:ext cx="8098166" cy="2707931"/>
-          </a:xfrm>
-          <a:prstGeom prst="rect">
-            <a:avLst/>
-          </a:prstGeom>
-        </p:spPr>
-      </p:pic>
-      <p:sp>
-        <p:nvSpPr>
-          <p:cNvPr id="5" name="Rectangle 4"/>
-          <p:cNvSpPr/>
-          <p:nvPr/>
-        </p:nvSpPr>
-        <p:spPr>
-          <a:xfrm>
-            <a:off x="6015789" y="1520792"/>
-            <a:ext cx="12734224" cy="231006"/>
-          </a:xfrm>
-          <a:prstGeom prst="rect">
-            <a:avLst/>
-          </a:prstGeom>
-          <a:solidFill>
-            <a:schemeClr val="tx1"/>
-          </a:solidFill>
-        </p:spPr>
-        <p:style>
-          <a:lnRef idx="2">
-            <a:schemeClr val="accent1">
-              <a:shade val="50000"/>
-            </a:schemeClr>
-          </a:lnRef>
-          <a:fillRef idx="1">
-            <a:schemeClr val="accent1"/>
-          </a:fillRef>
-          <a:effectRef idx="0">
-            <a:schemeClr val="accent1"/>
-          </a:effectRef>
-          <a:fontRef idx="minor">
-            <a:schemeClr val="lt1"/>
-          </a:fontRef>
-        </p:style>
-        <p:txBody>
-          <a:bodyPr rtlCol="0" anchor="ctr"/>
-          <a:lstStyle/>
-          <a:p>
-            <a:pPr algn="ctr"/>
-            <a:endParaRPr lang="en-US"/>
-          </a:p>
-        </p:txBody>
-      </p:sp>
-    </p:spTree>
-    <p:extLst>
-      <p:ext uri="{BB962C8B-B14F-4D97-AF65-F5344CB8AC3E}">
-        <p14:creationId xmlns:p14="http://schemas.microsoft.com/office/powerpoint/2010/main" val="1147185368"/>
-      </p:ext>
-    </p:extLst>
-  </p:cSld>
-  <p:clrMapOvr>
-    <a:masterClrMapping/>
-  </p:clrMapOvr>
-</p:sld>
-</file>
-
 <file path=ppt/slides/slide6.xml><?xml version="1.0" encoding="utf-8"?>
 <p:sld xmlns:a="http://schemas.openxmlformats.org/drawingml/2006/main" xmlns:r="http://schemas.openxmlformats.org/officeDocument/2006/relationships" xmlns:p="http://schemas.openxmlformats.org/presentationml/2006/main">
   <p:cSld>
@@ -3877,6 +3983,110 @@
         </p:blipFill>
         <p:spPr>
           <a:xfrm>
+            <a:off x="246938" y="308720"/>
+            <a:ext cx="8098166" cy="2707931"/>
+          </a:xfrm>
+          <a:prstGeom prst="rect">
+            <a:avLst/>
+          </a:prstGeom>
+        </p:spPr>
+      </p:pic>
+      <p:sp>
+        <p:nvSpPr>
+          <p:cNvPr id="5" name="Rectangle 4"/>
+          <p:cNvSpPr/>
+          <p:nvPr/>
+        </p:nvSpPr>
+        <p:spPr>
+          <a:xfrm>
+            <a:off x="6015789" y="1520792"/>
+            <a:ext cx="12734224" cy="231006"/>
+          </a:xfrm>
+          <a:prstGeom prst="rect">
+            <a:avLst/>
+          </a:prstGeom>
+          <a:solidFill>
+            <a:schemeClr val="tx1"/>
+          </a:solidFill>
+        </p:spPr>
+        <p:style>
+          <a:lnRef idx="2">
+            <a:schemeClr val="accent1">
+              <a:shade val="50000"/>
+            </a:schemeClr>
+          </a:lnRef>
+          <a:fillRef idx="1">
+            <a:schemeClr val="accent1"/>
+          </a:fillRef>
+          <a:effectRef idx="0">
+            <a:schemeClr val="accent1"/>
+          </a:effectRef>
+          <a:fontRef idx="minor">
+            <a:schemeClr val="lt1"/>
+          </a:fontRef>
+        </p:style>
+        <p:txBody>
+          <a:bodyPr rtlCol="0" anchor="ctr"/>
+          <a:lstStyle/>
+          <a:p>
+            <a:pPr algn="ctr"/>
+            <a:endParaRPr lang="en-US"/>
+          </a:p>
+        </p:txBody>
+      </p:sp>
+    </p:spTree>
+    <p:extLst>
+      <p:ext uri="{BB962C8B-B14F-4D97-AF65-F5344CB8AC3E}">
+        <p14:creationId xmlns:p14="http://schemas.microsoft.com/office/powerpoint/2010/main" val="1147185368"/>
+      </p:ext>
+    </p:extLst>
+  </p:cSld>
+  <p:clrMapOvr>
+    <a:masterClrMapping/>
+  </p:clrMapOvr>
+  <p:timing>
+    <p:tnLst>
+      <p:par>
+        <p:cTn id="1" dur="indefinite" restart="never" nodeType="tmRoot"/>
+      </p:par>
+    </p:tnLst>
+  </p:timing>
+</p:sld>
+</file>
+
+<file path=ppt/slides/slide7.xml><?xml version="1.0" encoding="utf-8"?>
+<p:sld xmlns:a="http://schemas.openxmlformats.org/drawingml/2006/main" xmlns:r="http://schemas.openxmlformats.org/officeDocument/2006/relationships" xmlns:p="http://schemas.openxmlformats.org/presentationml/2006/main">
+  <p:cSld>
+    <p:spTree>
+      <p:nvGrpSpPr>
+        <p:cNvPr id="1" name=""/>
+        <p:cNvGrpSpPr/>
+        <p:nvPr/>
+      </p:nvGrpSpPr>
+      <p:grpSpPr>
+        <a:xfrm>
+          <a:off x="0" y="0"/>
+          <a:ext cx="0" cy="0"/>
+          <a:chOff x="0" y="0"/>
+          <a:chExt cx="0" cy="0"/>
+        </a:xfrm>
+      </p:grpSpPr>
+      <p:pic>
+        <p:nvPicPr>
+          <p:cNvPr id="4" name="Picture 3"/>
+          <p:cNvPicPr>
+            <a:picLocks noChangeAspect="1"/>
+          </p:cNvPicPr>
+          <p:nvPr/>
+        </p:nvPicPr>
+        <p:blipFill>
+          <a:blip r:embed="rId2"/>
+          <a:stretch>
+            <a:fillRect/>
+          </a:stretch>
+        </p:blipFill>
+        <p:spPr>
+          <a:xfrm>
             <a:off x="2664755" y="1786812"/>
             <a:ext cx="18509060" cy="2706859"/>
           </a:xfrm>
@@ -3895,10 +4105,17 @@
   <p:clrMapOvr>
     <a:masterClrMapping/>
   </p:clrMapOvr>
+  <p:timing>
+    <p:tnLst>
+      <p:par>
+        <p:cTn id="1" dur="indefinite" restart="never" nodeType="tmRoot"/>
+      </p:par>
+    </p:tnLst>
+  </p:timing>
 </p:sld>
 </file>
 
-<file path=ppt/slides/slide7.xml><?xml version="1.0" encoding="utf-8"?>
+<file path=ppt/slides/slide8.xml><?xml version="1.0" encoding="utf-8"?>
 <p:sld xmlns:a="http://schemas.openxmlformats.org/drawingml/2006/main" xmlns:r="http://schemas.openxmlformats.org/officeDocument/2006/relationships" xmlns:p="http://schemas.openxmlformats.org/presentationml/2006/main">
   <p:cSld>
     <p:spTree>
